--- a/Индвивидуальная работа/Бугаков_06.pptx
+++ b/Индвивидуальная работа/Бугаков_06.pptx
@@ -272,7 +272,7 @@
           <a:p>
             <a:fld id="{C89B5A47-7F45-4652-9F30-E56343567010}" type="datetimeFigureOut">
               <a:rPr lang="ru-RU" smtClean="0"/>
-              <a:t>20.05.2020</a:t>
+              <a:t>21.05.2020</a:t>
             </a:fld>
             <a:endParaRPr lang="ru-RU"/>
           </a:p>
@@ -470,7 +470,7 @@
           <a:p>
             <a:fld id="{C89B5A47-7F45-4652-9F30-E56343567010}" type="datetimeFigureOut">
               <a:rPr lang="ru-RU" smtClean="0"/>
-              <a:t>20.05.2020</a:t>
+              <a:t>21.05.2020</a:t>
             </a:fld>
             <a:endParaRPr lang="ru-RU"/>
           </a:p>
@@ -678,7 +678,7 @@
           <a:p>
             <a:fld id="{C89B5A47-7F45-4652-9F30-E56343567010}" type="datetimeFigureOut">
               <a:rPr lang="ru-RU" smtClean="0"/>
-              <a:t>20.05.2020</a:t>
+              <a:t>21.05.2020</a:t>
             </a:fld>
             <a:endParaRPr lang="ru-RU"/>
           </a:p>
@@ -876,7 +876,7 @@
           <a:p>
             <a:fld id="{C89B5A47-7F45-4652-9F30-E56343567010}" type="datetimeFigureOut">
               <a:rPr lang="ru-RU" smtClean="0"/>
-              <a:t>20.05.2020</a:t>
+              <a:t>21.05.2020</a:t>
             </a:fld>
             <a:endParaRPr lang="ru-RU"/>
           </a:p>
@@ -1151,7 +1151,7 @@
           <a:p>
             <a:fld id="{C89B5A47-7F45-4652-9F30-E56343567010}" type="datetimeFigureOut">
               <a:rPr lang="ru-RU" smtClean="0"/>
-              <a:t>20.05.2020</a:t>
+              <a:t>21.05.2020</a:t>
             </a:fld>
             <a:endParaRPr lang="ru-RU"/>
           </a:p>
@@ -1416,7 +1416,7 @@
           <a:p>
             <a:fld id="{C89B5A47-7F45-4652-9F30-E56343567010}" type="datetimeFigureOut">
               <a:rPr lang="ru-RU" smtClean="0"/>
-              <a:t>20.05.2020</a:t>
+              <a:t>21.05.2020</a:t>
             </a:fld>
             <a:endParaRPr lang="ru-RU"/>
           </a:p>
@@ -1828,7 +1828,7 @@
           <a:p>
             <a:fld id="{C89B5A47-7F45-4652-9F30-E56343567010}" type="datetimeFigureOut">
               <a:rPr lang="ru-RU" smtClean="0"/>
-              <a:t>20.05.2020</a:t>
+              <a:t>21.05.2020</a:t>
             </a:fld>
             <a:endParaRPr lang="ru-RU"/>
           </a:p>
@@ -1969,7 +1969,7 @@
           <a:p>
             <a:fld id="{C89B5A47-7F45-4652-9F30-E56343567010}" type="datetimeFigureOut">
               <a:rPr lang="ru-RU" smtClean="0"/>
-              <a:t>20.05.2020</a:t>
+              <a:t>21.05.2020</a:t>
             </a:fld>
             <a:endParaRPr lang="ru-RU"/>
           </a:p>
@@ -2082,7 +2082,7 @@
           <a:p>
             <a:fld id="{C89B5A47-7F45-4652-9F30-E56343567010}" type="datetimeFigureOut">
               <a:rPr lang="ru-RU" smtClean="0"/>
-              <a:t>20.05.2020</a:t>
+              <a:t>21.05.2020</a:t>
             </a:fld>
             <a:endParaRPr lang="ru-RU"/>
           </a:p>
@@ -2393,7 +2393,7 @@
           <a:p>
             <a:fld id="{C89B5A47-7F45-4652-9F30-E56343567010}" type="datetimeFigureOut">
               <a:rPr lang="ru-RU" smtClean="0"/>
-              <a:t>20.05.2020</a:t>
+              <a:t>21.05.2020</a:t>
             </a:fld>
             <a:endParaRPr lang="ru-RU"/>
           </a:p>
@@ -2681,7 +2681,7 @@
           <a:p>
             <a:fld id="{C89B5A47-7F45-4652-9F30-E56343567010}" type="datetimeFigureOut">
               <a:rPr lang="ru-RU" smtClean="0"/>
-              <a:t>20.05.2020</a:t>
+              <a:t>21.05.2020</a:t>
             </a:fld>
             <a:endParaRPr lang="ru-RU"/>
           </a:p>
@@ -2922,7 +2922,7 @@
           <a:p>
             <a:fld id="{C89B5A47-7F45-4652-9F30-E56343567010}" type="datetimeFigureOut">
               <a:rPr lang="ru-RU" smtClean="0"/>
-              <a:t>20.05.2020</a:t>
+              <a:t>21.05.2020</a:t>
             </a:fld>
             <a:endParaRPr lang="ru-RU"/>
           </a:p>
@@ -4126,6 +4126,14 @@
             <a:r>
               <a:rPr lang="ru-RU" dirty="0"/>
               <a:t>Хранение документа в Базе данных.</a:t>
+            </a:r>
+            <a:r>
+              <a:rPr lang="en-US" dirty="0"/>
+              <a:t>//</a:t>
+            </a:r>
+            <a:r>
+              <a:rPr lang="ru-RU" dirty="0"/>
+              <a:t>сведения</a:t>
             </a:r>
           </a:p>
           <a:p>
